--- a/Simple audio.pptx
+++ b/Simple audio.pptx
@@ -10,7 +10,11 @@
     <p:sldId id="257" r:id="rId4"/>
     <p:sldId id="258" r:id="rId5"/>
     <p:sldId id="261" r:id="rId6"/>
-    <p:sldId id="259" r:id="rId7"/>
+    <p:sldId id="262" r:id="rId7"/>
+    <p:sldId id="263" r:id="rId8"/>
+    <p:sldId id="264" r:id="rId9"/>
+    <p:sldId id="265" r:id="rId10"/>
+    <p:sldId id="259" r:id="rId11"/>
   </p:sldIdLst>
   <p:sldSz cx="12192000" cy="6858000"/>
   <p:notesSz cx="6858000" cy="9144000"/>
@@ -134,7 +138,7 @@
           <p:cNvPr id="2" name="Заголовок 1">
             <a:extLst>
               <a:ext uri="{FF2B5EF4-FFF2-40B4-BE49-F238E27FC236}">
-                <a16:creationId xmlns:a16="http://schemas.microsoft.com/office/drawing/2014/main" id="{8BE30AB4-34C0-47FF-A286-1D462A40B38B}"/>
+                <a16:creationId xmlns:a16="http://schemas.microsoft.com/office/drawing/2014/main" xmlns="" id="{8BE30AB4-34C0-47FF-A286-1D462A40B38B}"/>
               </a:ext>
             </a:extLst>
           </p:cNvPr>
@@ -171,7 +175,7 @@
           <p:cNvPr id="3" name="Подзаголовок 2">
             <a:extLst>
               <a:ext uri="{FF2B5EF4-FFF2-40B4-BE49-F238E27FC236}">
-                <a16:creationId xmlns:a16="http://schemas.microsoft.com/office/drawing/2014/main" id="{B9D58662-7609-4B7A-A926-CC6AEF0BF674}"/>
+                <a16:creationId xmlns:a16="http://schemas.microsoft.com/office/drawing/2014/main" xmlns="" id="{B9D58662-7609-4B7A-A926-CC6AEF0BF674}"/>
               </a:ext>
             </a:extLst>
           </p:cNvPr>
@@ -241,7 +245,7 @@
           <p:cNvPr id="4" name="Дата 3">
             <a:extLst>
               <a:ext uri="{FF2B5EF4-FFF2-40B4-BE49-F238E27FC236}">
-                <a16:creationId xmlns:a16="http://schemas.microsoft.com/office/drawing/2014/main" id="{63A13243-B06B-48FE-A3F9-B400E56281E8}"/>
+                <a16:creationId xmlns:a16="http://schemas.microsoft.com/office/drawing/2014/main" xmlns="" id="{63A13243-B06B-48FE-A3F9-B400E56281E8}"/>
               </a:ext>
             </a:extLst>
           </p:cNvPr>
@@ -259,6 +263,7 @@
           <a:p>
             <a:fld id="{BC322DC5-9CEB-4272-A40E-A2F43F9A662A}" type="datetimeFigureOut">
               <a:rPr lang="ru-RU" smtClean="0"/>
+              <a:pPr/>
               <a:t>10.11.2021</a:t>
             </a:fld>
             <a:endParaRPr lang="ru-RU"/>
@@ -270,7 +275,7 @@
           <p:cNvPr id="5" name="Нижний колонтитул 4">
             <a:extLst>
               <a:ext uri="{FF2B5EF4-FFF2-40B4-BE49-F238E27FC236}">
-                <a16:creationId xmlns:a16="http://schemas.microsoft.com/office/drawing/2014/main" id="{42ACC29B-04F4-4554-916B-7F3EB0FB577C}"/>
+                <a16:creationId xmlns:a16="http://schemas.microsoft.com/office/drawing/2014/main" xmlns="" id="{42ACC29B-04F4-4554-916B-7F3EB0FB577C}"/>
               </a:ext>
             </a:extLst>
           </p:cNvPr>
@@ -295,7 +300,7 @@
           <p:cNvPr id="6" name="Номер слайда 5">
             <a:extLst>
               <a:ext uri="{FF2B5EF4-FFF2-40B4-BE49-F238E27FC236}">
-                <a16:creationId xmlns:a16="http://schemas.microsoft.com/office/drawing/2014/main" id="{E2B5F74E-1FF2-4971-A4DC-BA5180F5166E}"/>
+                <a16:creationId xmlns:a16="http://schemas.microsoft.com/office/drawing/2014/main" xmlns="" id="{E2B5F74E-1FF2-4971-A4DC-BA5180F5166E}"/>
               </a:ext>
             </a:extLst>
           </p:cNvPr>
@@ -313,6 +318,7 @@
           <a:p>
             <a:fld id="{E63E4ADB-0263-48FD-9968-1937273CC69C}" type="slidenum">
               <a:rPr lang="ru-RU" smtClean="0"/>
+              <a:pPr/>
               <a:t>‹#›</a:t>
             </a:fld>
             <a:endParaRPr lang="ru-RU"/>
@@ -322,7 +328,7 @@
     </p:spTree>
     <p:extLst>
       <p:ext uri="{BB962C8B-B14F-4D97-AF65-F5344CB8AC3E}">
-        <p14:creationId xmlns:p14="http://schemas.microsoft.com/office/powerpoint/2010/main" val="2527049818"/>
+        <p14:creationId xmlns:p14="http://schemas.microsoft.com/office/powerpoint/2010/main" xmlns="" val="2527049818"/>
       </p:ext>
     </p:extLst>
   </p:cSld>
@@ -354,7 +360,7 @@
           <p:cNvPr id="2" name="Заголовок 1">
             <a:extLst>
               <a:ext uri="{FF2B5EF4-FFF2-40B4-BE49-F238E27FC236}">
-                <a16:creationId xmlns:a16="http://schemas.microsoft.com/office/drawing/2014/main" id="{353E131A-963F-4C5D-BA2F-514E004E19F6}"/>
+                <a16:creationId xmlns:a16="http://schemas.microsoft.com/office/drawing/2014/main" xmlns="" id="{353E131A-963F-4C5D-BA2F-514E004E19F6}"/>
               </a:ext>
             </a:extLst>
           </p:cNvPr>
@@ -382,7 +388,7 @@
           <p:cNvPr id="3" name="Вертикальный текст 2">
             <a:extLst>
               <a:ext uri="{FF2B5EF4-FFF2-40B4-BE49-F238E27FC236}">
-                <a16:creationId xmlns:a16="http://schemas.microsoft.com/office/drawing/2014/main" id="{CECB8ABB-9244-4799-9E18-C063F8C82FE4}"/>
+                <a16:creationId xmlns:a16="http://schemas.microsoft.com/office/drawing/2014/main" xmlns="" id="{CECB8ABB-9244-4799-9E18-C063F8C82FE4}"/>
               </a:ext>
             </a:extLst>
           </p:cNvPr>
@@ -439,7 +445,7 @@
           <p:cNvPr id="4" name="Дата 3">
             <a:extLst>
               <a:ext uri="{FF2B5EF4-FFF2-40B4-BE49-F238E27FC236}">
-                <a16:creationId xmlns:a16="http://schemas.microsoft.com/office/drawing/2014/main" id="{73AC2717-0027-4466-A8B5-8E30D2D032D8}"/>
+                <a16:creationId xmlns:a16="http://schemas.microsoft.com/office/drawing/2014/main" xmlns="" id="{73AC2717-0027-4466-A8B5-8E30D2D032D8}"/>
               </a:ext>
             </a:extLst>
           </p:cNvPr>
@@ -457,6 +463,7 @@
           <a:p>
             <a:fld id="{BC322DC5-9CEB-4272-A40E-A2F43F9A662A}" type="datetimeFigureOut">
               <a:rPr lang="ru-RU" smtClean="0"/>
+              <a:pPr/>
               <a:t>10.11.2021</a:t>
             </a:fld>
             <a:endParaRPr lang="ru-RU"/>
@@ -468,7 +475,7 @@
           <p:cNvPr id="5" name="Нижний колонтитул 4">
             <a:extLst>
               <a:ext uri="{FF2B5EF4-FFF2-40B4-BE49-F238E27FC236}">
-                <a16:creationId xmlns:a16="http://schemas.microsoft.com/office/drawing/2014/main" id="{9B0C37F1-F009-4D77-8FCE-D201243AAD91}"/>
+                <a16:creationId xmlns:a16="http://schemas.microsoft.com/office/drawing/2014/main" xmlns="" id="{9B0C37F1-F009-4D77-8FCE-D201243AAD91}"/>
               </a:ext>
             </a:extLst>
           </p:cNvPr>
@@ -493,7 +500,7 @@
           <p:cNvPr id="6" name="Номер слайда 5">
             <a:extLst>
               <a:ext uri="{FF2B5EF4-FFF2-40B4-BE49-F238E27FC236}">
-                <a16:creationId xmlns:a16="http://schemas.microsoft.com/office/drawing/2014/main" id="{35AEC3B4-6F5B-46D0-B451-6EB2052B0FA0}"/>
+                <a16:creationId xmlns:a16="http://schemas.microsoft.com/office/drawing/2014/main" xmlns="" id="{35AEC3B4-6F5B-46D0-B451-6EB2052B0FA0}"/>
               </a:ext>
             </a:extLst>
           </p:cNvPr>
@@ -511,6 +518,7 @@
           <a:p>
             <a:fld id="{E63E4ADB-0263-48FD-9968-1937273CC69C}" type="slidenum">
               <a:rPr lang="ru-RU" smtClean="0"/>
+              <a:pPr/>
               <a:t>‹#›</a:t>
             </a:fld>
             <a:endParaRPr lang="ru-RU"/>
@@ -520,7 +528,7 @@
     </p:spTree>
     <p:extLst>
       <p:ext uri="{BB962C8B-B14F-4D97-AF65-F5344CB8AC3E}">
-        <p14:creationId xmlns:p14="http://schemas.microsoft.com/office/powerpoint/2010/main" val="2413624760"/>
+        <p14:creationId xmlns:p14="http://schemas.microsoft.com/office/powerpoint/2010/main" xmlns="" val="2413624760"/>
       </p:ext>
     </p:extLst>
   </p:cSld>
@@ -552,7 +560,7 @@
           <p:cNvPr id="2" name="Вертикальный заголовок 1">
             <a:extLst>
               <a:ext uri="{FF2B5EF4-FFF2-40B4-BE49-F238E27FC236}">
-                <a16:creationId xmlns:a16="http://schemas.microsoft.com/office/drawing/2014/main" id="{EC01D075-BF97-40B3-986C-450362410BB1}"/>
+                <a16:creationId xmlns:a16="http://schemas.microsoft.com/office/drawing/2014/main" xmlns="" id="{EC01D075-BF97-40B3-986C-450362410BB1}"/>
               </a:ext>
             </a:extLst>
           </p:cNvPr>
@@ -585,7 +593,7 @@
           <p:cNvPr id="3" name="Вертикальный текст 2">
             <a:extLst>
               <a:ext uri="{FF2B5EF4-FFF2-40B4-BE49-F238E27FC236}">
-                <a16:creationId xmlns:a16="http://schemas.microsoft.com/office/drawing/2014/main" id="{3E39514D-F262-4BD5-B98F-50F00B9051AB}"/>
+                <a16:creationId xmlns:a16="http://schemas.microsoft.com/office/drawing/2014/main" xmlns="" id="{3E39514D-F262-4BD5-B98F-50F00B9051AB}"/>
               </a:ext>
             </a:extLst>
           </p:cNvPr>
@@ -647,7 +655,7 @@
           <p:cNvPr id="4" name="Дата 3">
             <a:extLst>
               <a:ext uri="{FF2B5EF4-FFF2-40B4-BE49-F238E27FC236}">
-                <a16:creationId xmlns:a16="http://schemas.microsoft.com/office/drawing/2014/main" id="{B6A42EF5-B9A0-4D1E-A090-46360DB632AD}"/>
+                <a16:creationId xmlns:a16="http://schemas.microsoft.com/office/drawing/2014/main" xmlns="" id="{B6A42EF5-B9A0-4D1E-A090-46360DB632AD}"/>
               </a:ext>
             </a:extLst>
           </p:cNvPr>
@@ -665,6 +673,7 @@
           <a:p>
             <a:fld id="{BC322DC5-9CEB-4272-A40E-A2F43F9A662A}" type="datetimeFigureOut">
               <a:rPr lang="ru-RU" smtClean="0"/>
+              <a:pPr/>
               <a:t>10.11.2021</a:t>
             </a:fld>
             <a:endParaRPr lang="ru-RU"/>
@@ -676,7 +685,7 @@
           <p:cNvPr id="5" name="Нижний колонтитул 4">
             <a:extLst>
               <a:ext uri="{FF2B5EF4-FFF2-40B4-BE49-F238E27FC236}">
-                <a16:creationId xmlns:a16="http://schemas.microsoft.com/office/drawing/2014/main" id="{AF501552-A328-4AAC-96D6-9FF0248C5E05}"/>
+                <a16:creationId xmlns:a16="http://schemas.microsoft.com/office/drawing/2014/main" xmlns="" id="{AF501552-A328-4AAC-96D6-9FF0248C5E05}"/>
               </a:ext>
             </a:extLst>
           </p:cNvPr>
@@ -701,7 +710,7 @@
           <p:cNvPr id="6" name="Номер слайда 5">
             <a:extLst>
               <a:ext uri="{FF2B5EF4-FFF2-40B4-BE49-F238E27FC236}">
-                <a16:creationId xmlns:a16="http://schemas.microsoft.com/office/drawing/2014/main" id="{CAC18694-E057-4259-8952-5B69D28E7E92}"/>
+                <a16:creationId xmlns:a16="http://schemas.microsoft.com/office/drawing/2014/main" xmlns="" id="{CAC18694-E057-4259-8952-5B69D28E7E92}"/>
               </a:ext>
             </a:extLst>
           </p:cNvPr>
@@ -719,6 +728,7 @@
           <a:p>
             <a:fld id="{E63E4ADB-0263-48FD-9968-1937273CC69C}" type="slidenum">
               <a:rPr lang="ru-RU" smtClean="0"/>
+              <a:pPr/>
               <a:t>‹#›</a:t>
             </a:fld>
             <a:endParaRPr lang="ru-RU"/>
@@ -728,7 +738,7 @@
     </p:spTree>
     <p:extLst>
       <p:ext uri="{BB962C8B-B14F-4D97-AF65-F5344CB8AC3E}">
-        <p14:creationId xmlns:p14="http://schemas.microsoft.com/office/powerpoint/2010/main" val="2658645531"/>
+        <p14:creationId xmlns:p14="http://schemas.microsoft.com/office/powerpoint/2010/main" xmlns="" val="2658645531"/>
       </p:ext>
     </p:extLst>
   </p:cSld>
@@ -760,7 +770,7 @@
           <p:cNvPr id="2" name="Заголовок 1">
             <a:extLst>
               <a:ext uri="{FF2B5EF4-FFF2-40B4-BE49-F238E27FC236}">
-                <a16:creationId xmlns:a16="http://schemas.microsoft.com/office/drawing/2014/main" id="{FCA738ED-9870-46DD-BAA0-7A326F4C3272}"/>
+                <a16:creationId xmlns:a16="http://schemas.microsoft.com/office/drawing/2014/main" xmlns="" id="{FCA738ED-9870-46DD-BAA0-7A326F4C3272}"/>
               </a:ext>
             </a:extLst>
           </p:cNvPr>
@@ -788,7 +798,7 @@
           <p:cNvPr id="3" name="Объект 2">
             <a:extLst>
               <a:ext uri="{FF2B5EF4-FFF2-40B4-BE49-F238E27FC236}">
-                <a16:creationId xmlns:a16="http://schemas.microsoft.com/office/drawing/2014/main" id="{B8169D94-D0D7-4AE5-BC5B-3372BA466386}"/>
+                <a16:creationId xmlns:a16="http://schemas.microsoft.com/office/drawing/2014/main" xmlns="" id="{B8169D94-D0D7-4AE5-BC5B-3372BA466386}"/>
               </a:ext>
             </a:extLst>
           </p:cNvPr>
@@ -845,7 +855,7 @@
           <p:cNvPr id="4" name="Дата 3">
             <a:extLst>
               <a:ext uri="{FF2B5EF4-FFF2-40B4-BE49-F238E27FC236}">
-                <a16:creationId xmlns:a16="http://schemas.microsoft.com/office/drawing/2014/main" id="{0A132C5C-29F7-4760-B759-8221ABEAAC5F}"/>
+                <a16:creationId xmlns:a16="http://schemas.microsoft.com/office/drawing/2014/main" xmlns="" id="{0A132C5C-29F7-4760-B759-8221ABEAAC5F}"/>
               </a:ext>
             </a:extLst>
           </p:cNvPr>
@@ -863,6 +873,7 @@
           <a:p>
             <a:fld id="{BC322DC5-9CEB-4272-A40E-A2F43F9A662A}" type="datetimeFigureOut">
               <a:rPr lang="ru-RU" smtClean="0"/>
+              <a:pPr/>
               <a:t>10.11.2021</a:t>
             </a:fld>
             <a:endParaRPr lang="ru-RU"/>
@@ -874,7 +885,7 @@
           <p:cNvPr id="5" name="Нижний колонтитул 4">
             <a:extLst>
               <a:ext uri="{FF2B5EF4-FFF2-40B4-BE49-F238E27FC236}">
-                <a16:creationId xmlns:a16="http://schemas.microsoft.com/office/drawing/2014/main" id="{33431436-4A13-4E8A-AA54-2BBE0270A165}"/>
+                <a16:creationId xmlns:a16="http://schemas.microsoft.com/office/drawing/2014/main" xmlns="" id="{33431436-4A13-4E8A-AA54-2BBE0270A165}"/>
               </a:ext>
             </a:extLst>
           </p:cNvPr>
@@ -899,7 +910,7 @@
           <p:cNvPr id="6" name="Номер слайда 5">
             <a:extLst>
               <a:ext uri="{FF2B5EF4-FFF2-40B4-BE49-F238E27FC236}">
-                <a16:creationId xmlns:a16="http://schemas.microsoft.com/office/drawing/2014/main" id="{954DDA2D-7BA7-4011-8181-8767396F9D55}"/>
+                <a16:creationId xmlns:a16="http://schemas.microsoft.com/office/drawing/2014/main" xmlns="" id="{954DDA2D-7BA7-4011-8181-8767396F9D55}"/>
               </a:ext>
             </a:extLst>
           </p:cNvPr>
@@ -917,6 +928,7 @@
           <a:p>
             <a:fld id="{E63E4ADB-0263-48FD-9968-1937273CC69C}" type="slidenum">
               <a:rPr lang="ru-RU" smtClean="0"/>
+              <a:pPr/>
               <a:t>‹#›</a:t>
             </a:fld>
             <a:endParaRPr lang="ru-RU"/>
@@ -926,7 +938,7 @@
     </p:spTree>
     <p:extLst>
       <p:ext uri="{BB962C8B-B14F-4D97-AF65-F5344CB8AC3E}">
-        <p14:creationId xmlns:p14="http://schemas.microsoft.com/office/powerpoint/2010/main" val="3322852775"/>
+        <p14:creationId xmlns:p14="http://schemas.microsoft.com/office/powerpoint/2010/main" xmlns="" val="3322852775"/>
       </p:ext>
     </p:extLst>
   </p:cSld>
@@ -958,7 +970,7 @@
           <p:cNvPr id="2" name="Заголовок 1">
             <a:extLst>
               <a:ext uri="{FF2B5EF4-FFF2-40B4-BE49-F238E27FC236}">
-                <a16:creationId xmlns:a16="http://schemas.microsoft.com/office/drawing/2014/main" id="{1433BB7B-9056-4E49-9706-D0A2F62DC2C7}"/>
+                <a16:creationId xmlns:a16="http://schemas.microsoft.com/office/drawing/2014/main" xmlns="" id="{1433BB7B-9056-4E49-9706-D0A2F62DC2C7}"/>
               </a:ext>
             </a:extLst>
           </p:cNvPr>
@@ -995,7 +1007,7 @@
           <p:cNvPr id="3" name="Текст 2">
             <a:extLst>
               <a:ext uri="{FF2B5EF4-FFF2-40B4-BE49-F238E27FC236}">
-                <a16:creationId xmlns:a16="http://schemas.microsoft.com/office/drawing/2014/main" id="{DA7EAAA3-03B2-4C73-BD9F-D8F9652C660B}"/>
+                <a16:creationId xmlns:a16="http://schemas.microsoft.com/office/drawing/2014/main" xmlns="" id="{DA7EAAA3-03B2-4C73-BD9F-D8F9652C660B}"/>
               </a:ext>
             </a:extLst>
           </p:cNvPr>
@@ -1120,7 +1132,7 @@
           <p:cNvPr id="4" name="Дата 3">
             <a:extLst>
               <a:ext uri="{FF2B5EF4-FFF2-40B4-BE49-F238E27FC236}">
-                <a16:creationId xmlns:a16="http://schemas.microsoft.com/office/drawing/2014/main" id="{78610FAD-002E-4CF3-9FD0-3A004D88D6DE}"/>
+                <a16:creationId xmlns:a16="http://schemas.microsoft.com/office/drawing/2014/main" xmlns="" id="{78610FAD-002E-4CF3-9FD0-3A004D88D6DE}"/>
               </a:ext>
             </a:extLst>
           </p:cNvPr>
@@ -1138,6 +1150,7 @@
           <a:p>
             <a:fld id="{BC322DC5-9CEB-4272-A40E-A2F43F9A662A}" type="datetimeFigureOut">
               <a:rPr lang="ru-RU" smtClean="0"/>
+              <a:pPr/>
               <a:t>10.11.2021</a:t>
             </a:fld>
             <a:endParaRPr lang="ru-RU"/>
@@ -1149,7 +1162,7 @@
           <p:cNvPr id="5" name="Нижний колонтитул 4">
             <a:extLst>
               <a:ext uri="{FF2B5EF4-FFF2-40B4-BE49-F238E27FC236}">
-                <a16:creationId xmlns:a16="http://schemas.microsoft.com/office/drawing/2014/main" id="{755CDD28-B834-4A27-8458-3581166F8D22}"/>
+                <a16:creationId xmlns:a16="http://schemas.microsoft.com/office/drawing/2014/main" xmlns="" id="{755CDD28-B834-4A27-8458-3581166F8D22}"/>
               </a:ext>
             </a:extLst>
           </p:cNvPr>
@@ -1174,7 +1187,7 @@
           <p:cNvPr id="6" name="Номер слайда 5">
             <a:extLst>
               <a:ext uri="{FF2B5EF4-FFF2-40B4-BE49-F238E27FC236}">
-                <a16:creationId xmlns:a16="http://schemas.microsoft.com/office/drawing/2014/main" id="{1CDB6D9E-F2A3-4901-BB1B-D8CCD02D5F54}"/>
+                <a16:creationId xmlns:a16="http://schemas.microsoft.com/office/drawing/2014/main" xmlns="" id="{1CDB6D9E-F2A3-4901-BB1B-D8CCD02D5F54}"/>
               </a:ext>
             </a:extLst>
           </p:cNvPr>
@@ -1192,6 +1205,7 @@
           <a:p>
             <a:fld id="{E63E4ADB-0263-48FD-9968-1937273CC69C}" type="slidenum">
               <a:rPr lang="ru-RU" smtClean="0"/>
+              <a:pPr/>
               <a:t>‹#›</a:t>
             </a:fld>
             <a:endParaRPr lang="ru-RU"/>
@@ -1201,7 +1215,7 @@
     </p:spTree>
     <p:extLst>
       <p:ext uri="{BB962C8B-B14F-4D97-AF65-F5344CB8AC3E}">
-        <p14:creationId xmlns:p14="http://schemas.microsoft.com/office/powerpoint/2010/main" val="363186261"/>
+        <p14:creationId xmlns:p14="http://schemas.microsoft.com/office/powerpoint/2010/main" xmlns="" val="363186261"/>
       </p:ext>
     </p:extLst>
   </p:cSld>
@@ -1233,7 +1247,7 @@
           <p:cNvPr id="2" name="Заголовок 1">
             <a:extLst>
               <a:ext uri="{FF2B5EF4-FFF2-40B4-BE49-F238E27FC236}">
-                <a16:creationId xmlns:a16="http://schemas.microsoft.com/office/drawing/2014/main" id="{35289CA5-E2B4-4E1F-8080-B4C0B6E98F96}"/>
+                <a16:creationId xmlns:a16="http://schemas.microsoft.com/office/drawing/2014/main" xmlns="" id="{35289CA5-E2B4-4E1F-8080-B4C0B6E98F96}"/>
               </a:ext>
             </a:extLst>
           </p:cNvPr>
@@ -1261,7 +1275,7 @@
           <p:cNvPr id="3" name="Объект 2">
             <a:extLst>
               <a:ext uri="{FF2B5EF4-FFF2-40B4-BE49-F238E27FC236}">
-                <a16:creationId xmlns:a16="http://schemas.microsoft.com/office/drawing/2014/main" id="{75FF7552-B728-4021-8729-AB93851B16A3}"/>
+                <a16:creationId xmlns:a16="http://schemas.microsoft.com/office/drawing/2014/main" xmlns="" id="{75FF7552-B728-4021-8729-AB93851B16A3}"/>
               </a:ext>
             </a:extLst>
           </p:cNvPr>
@@ -1323,7 +1337,7 @@
           <p:cNvPr id="4" name="Объект 3">
             <a:extLst>
               <a:ext uri="{FF2B5EF4-FFF2-40B4-BE49-F238E27FC236}">
-                <a16:creationId xmlns:a16="http://schemas.microsoft.com/office/drawing/2014/main" id="{81D2E834-5C53-42B1-A146-B9C2F1E1709F}"/>
+                <a16:creationId xmlns:a16="http://schemas.microsoft.com/office/drawing/2014/main" xmlns="" id="{81D2E834-5C53-42B1-A146-B9C2F1E1709F}"/>
               </a:ext>
             </a:extLst>
           </p:cNvPr>
@@ -1385,7 +1399,7 @@
           <p:cNvPr id="5" name="Дата 4">
             <a:extLst>
               <a:ext uri="{FF2B5EF4-FFF2-40B4-BE49-F238E27FC236}">
-                <a16:creationId xmlns:a16="http://schemas.microsoft.com/office/drawing/2014/main" id="{CF8579DC-1655-4E36-8256-53670677D298}"/>
+                <a16:creationId xmlns:a16="http://schemas.microsoft.com/office/drawing/2014/main" xmlns="" id="{CF8579DC-1655-4E36-8256-53670677D298}"/>
               </a:ext>
             </a:extLst>
           </p:cNvPr>
@@ -1403,6 +1417,7 @@
           <a:p>
             <a:fld id="{BC322DC5-9CEB-4272-A40E-A2F43F9A662A}" type="datetimeFigureOut">
               <a:rPr lang="ru-RU" smtClean="0"/>
+              <a:pPr/>
               <a:t>10.11.2021</a:t>
             </a:fld>
             <a:endParaRPr lang="ru-RU"/>
@@ -1414,7 +1429,7 @@
           <p:cNvPr id="6" name="Нижний колонтитул 5">
             <a:extLst>
               <a:ext uri="{FF2B5EF4-FFF2-40B4-BE49-F238E27FC236}">
-                <a16:creationId xmlns:a16="http://schemas.microsoft.com/office/drawing/2014/main" id="{204FA663-1AE5-403C-A219-0A5A895D7A6A}"/>
+                <a16:creationId xmlns:a16="http://schemas.microsoft.com/office/drawing/2014/main" xmlns="" id="{204FA663-1AE5-403C-A219-0A5A895D7A6A}"/>
               </a:ext>
             </a:extLst>
           </p:cNvPr>
@@ -1439,7 +1454,7 @@
           <p:cNvPr id="7" name="Номер слайда 6">
             <a:extLst>
               <a:ext uri="{FF2B5EF4-FFF2-40B4-BE49-F238E27FC236}">
-                <a16:creationId xmlns:a16="http://schemas.microsoft.com/office/drawing/2014/main" id="{F651B1B2-A795-47AB-BBE5-E080F5BBFF51}"/>
+                <a16:creationId xmlns:a16="http://schemas.microsoft.com/office/drawing/2014/main" xmlns="" id="{F651B1B2-A795-47AB-BBE5-E080F5BBFF51}"/>
               </a:ext>
             </a:extLst>
           </p:cNvPr>
@@ -1457,6 +1472,7 @@
           <a:p>
             <a:fld id="{E63E4ADB-0263-48FD-9968-1937273CC69C}" type="slidenum">
               <a:rPr lang="ru-RU" smtClean="0"/>
+              <a:pPr/>
               <a:t>‹#›</a:t>
             </a:fld>
             <a:endParaRPr lang="ru-RU"/>
@@ -1466,7 +1482,7 @@
     </p:spTree>
     <p:extLst>
       <p:ext uri="{BB962C8B-B14F-4D97-AF65-F5344CB8AC3E}">
-        <p14:creationId xmlns:p14="http://schemas.microsoft.com/office/powerpoint/2010/main" val="3526301853"/>
+        <p14:creationId xmlns:p14="http://schemas.microsoft.com/office/powerpoint/2010/main" xmlns="" val="3526301853"/>
       </p:ext>
     </p:extLst>
   </p:cSld>
@@ -1498,7 +1514,7 @@
           <p:cNvPr id="2" name="Заголовок 1">
             <a:extLst>
               <a:ext uri="{FF2B5EF4-FFF2-40B4-BE49-F238E27FC236}">
-                <a16:creationId xmlns:a16="http://schemas.microsoft.com/office/drawing/2014/main" id="{16252638-9C2B-4169-AD7F-3D6F823455D4}"/>
+                <a16:creationId xmlns:a16="http://schemas.microsoft.com/office/drawing/2014/main" xmlns="" id="{16252638-9C2B-4169-AD7F-3D6F823455D4}"/>
               </a:ext>
             </a:extLst>
           </p:cNvPr>
@@ -1531,7 +1547,7 @@
           <p:cNvPr id="3" name="Текст 2">
             <a:extLst>
               <a:ext uri="{FF2B5EF4-FFF2-40B4-BE49-F238E27FC236}">
-                <a16:creationId xmlns:a16="http://schemas.microsoft.com/office/drawing/2014/main" id="{51577108-77FB-4388-BB95-3DC21248896F}"/>
+                <a16:creationId xmlns:a16="http://schemas.microsoft.com/office/drawing/2014/main" xmlns="" id="{51577108-77FB-4388-BB95-3DC21248896F}"/>
               </a:ext>
             </a:extLst>
           </p:cNvPr>
@@ -1602,7 +1618,7 @@
           <p:cNvPr id="4" name="Объект 3">
             <a:extLst>
               <a:ext uri="{FF2B5EF4-FFF2-40B4-BE49-F238E27FC236}">
-                <a16:creationId xmlns:a16="http://schemas.microsoft.com/office/drawing/2014/main" id="{E600FA03-3589-4FB5-AB5A-3940C7F12DF6}"/>
+                <a16:creationId xmlns:a16="http://schemas.microsoft.com/office/drawing/2014/main" xmlns="" id="{E600FA03-3589-4FB5-AB5A-3940C7F12DF6}"/>
               </a:ext>
             </a:extLst>
           </p:cNvPr>
@@ -1664,7 +1680,7 @@
           <p:cNvPr id="5" name="Текст 4">
             <a:extLst>
               <a:ext uri="{FF2B5EF4-FFF2-40B4-BE49-F238E27FC236}">
-                <a16:creationId xmlns:a16="http://schemas.microsoft.com/office/drawing/2014/main" id="{55466A8F-F2D8-4C91-AD3A-D90A3E526789}"/>
+                <a16:creationId xmlns:a16="http://schemas.microsoft.com/office/drawing/2014/main" xmlns="" id="{55466A8F-F2D8-4C91-AD3A-D90A3E526789}"/>
               </a:ext>
             </a:extLst>
           </p:cNvPr>
@@ -1735,7 +1751,7 @@
           <p:cNvPr id="6" name="Объект 5">
             <a:extLst>
               <a:ext uri="{FF2B5EF4-FFF2-40B4-BE49-F238E27FC236}">
-                <a16:creationId xmlns:a16="http://schemas.microsoft.com/office/drawing/2014/main" id="{8533A243-A592-405D-8A41-D37DA2867F3E}"/>
+                <a16:creationId xmlns:a16="http://schemas.microsoft.com/office/drawing/2014/main" xmlns="" id="{8533A243-A592-405D-8A41-D37DA2867F3E}"/>
               </a:ext>
             </a:extLst>
           </p:cNvPr>
@@ -1797,7 +1813,7 @@
           <p:cNvPr id="7" name="Дата 6">
             <a:extLst>
               <a:ext uri="{FF2B5EF4-FFF2-40B4-BE49-F238E27FC236}">
-                <a16:creationId xmlns:a16="http://schemas.microsoft.com/office/drawing/2014/main" id="{E66D3AC6-E21C-4D9E-8FC5-E030B8F26FAB}"/>
+                <a16:creationId xmlns:a16="http://schemas.microsoft.com/office/drawing/2014/main" xmlns="" id="{E66D3AC6-E21C-4D9E-8FC5-E030B8F26FAB}"/>
               </a:ext>
             </a:extLst>
           </p:cNvPr>
@@ -1815,6 +1831,7 @@
           <a:p>
             <a:fld id="{BC322DC5-9CEB-4272-A40E-A2F43F9A662A}" type="datetimeFigureOut">
               <a:rPr lang="ru-RU" smtClean="0"/>
+              <a:pPr/>
               <a:t>10.11.2021</a:t>
             </a:fld>
             <a:endParaRPr lang="ru-RU"/>
@@ -1826,7 +1843,7 @@
           <p:cNvPr id="8" name="Нижний колонтитул 7">
             <a:extLst>
               <a:ext uri="{FF2B5EF4-FFF2-40B4-BE49-F238E27FC236}">
-                <a16:creationId xmlns:a16="http://schemas.microsoft.com/office/drawing/2014/main" id="{657386ED-98DC-44FD-BC2A-47D06C310CCA}"/>
+                <a16:creationId xmlns:a16="http://schemas.microsoft.com/office/drawing/2014/main" xmlns="" id="{657386ED-98DC-44FD-BC2A-47D06C310CCA}"/>
               </a:ext>
             </a:extLst>
           </p:cNvPr>
@@ -1851,7 +1868,7 @@
           <p:cNvPr id="9" name="Номер слайда 8">
             <a:extLst>
               <a:ext uri="{FF2B5EF4-FFF2-40B4-BE49-F238E27FC236}">
-                <a16:creationId xmlns:a16="http://schemas.microsoft.com/office/drawing/2014/main" id="{A1C47A1B-2F96-439D-A8E6-F60BCBC61302}"/>
+                <a16:creationId xmlns:a16="http://schemas.microsoft.com/office/drawing/2014/main" xmlns="" id="{A1C47A1B-2F96-439D-A8E6-F60BCBC61302}"/>
               </a:ext>
             </a:extLst>
           </p:cNvPr>
@@ -1869,6 +1886,7 @@
           <a:p>
             <a:fld id="{E63E4ADB-0263-48FD-9968-1937273CC69C}" type="slidenum">
               <a:rPr lang="ru-RU" smtClean="0"/>
+              <a:pPr/>
               <a:t>‹#›</a:t>
             </a:fld>
             <a:endParaRPr lang="ru-RU"/>
@@ -1878,7 +1896,7 @@
     </p:spTree>
     <p:extLst>
       <p:ext uri="{BB962C8B-B14F-4D97-AF65-F5344CB8AC3E}">
-        <p14:creationId xmlns:p14="http://schemas.microsoft.com/office/powerpoint/2010/main" val="2385540937"/>
+        <p14:creationId xmlns:p14="http://schemas.microsoft.com/office/powerpoint/2010/main" xmlns="" val="2385540937"/>
       </p:ext>
     </p:extLst>
   </p:cSld>
@@ -1910,7 +1928,7 @@
           <p:cNvPr id="2" name="Заголовок 1">
             <a:extLst>
               <a:ext uri="{FF2B5EF4-FFF2-40B4-BE49-F238E27FC236}">
-                <a16:creationId xmlns:a16="http://schemas.microsoft.com/office/drawing/2014/main" id="{5F7816DD-06FB-48F0-9432-A347E845F206}"/>
+                <a16:creationId xmlns:a16="http://schemas.microsoft.com/office/drawing/2014/main" xmlns="" id="{5F7816DD-06FB-48F0-9432-A347E845F206}"/>
               </a:ext>
             </a:extLst>
           </p:cNvPr>
@@ -1938,7 +1956,7 @@
           <p:cNvPr id="3" name="Дата 2">
             <a:extLst>
               <a:ext uri="{FF2B5EF4-FFF2-40B4-BE49-F238E27FC236}">
-                <a16:creationId xmlns:a16="http://schemas.microsoft.com/office/drawing/2014/main" id="{6FBD4654-D119-4820-954E-3EFD11F91EA3}"/>
+                <a16:creationId xmlns:a16="http://schemas.microsoft.com/office/drawing/2014/main" xmlns="" id="{6FBD4654-D119-4820-954E-3EFD11F91EA3}"/>
               </a:ext>
             </a:extLst>
           </p:cNvPr>
@@ -1956,6 +1974,7 @@
           <a:p>
             <a:fld id="{BC322DC5-9CEB-4272-A40E-A2F43F9A662A}" type="datetimeFigureOut">
               <a:rPr lang="ru-RU" smtClean="0"/>
+              <a:pPr/>
               <a:t>10.11.2021</a:t>
             </a:fld>
             <a:endParaRPr lang="ru-RU"/>
@@ -1967,7 +1986,7 @@
           <p:cNvPr id="4" name="Нижний колонтитул 3">
             <a:extLst>
               <a:ext uri="{FF2B5EF4-FFF2-40B4-BE49-F238E27FC236}">
-                <a16:creationId xmlns:a16="http://schemas.microsoft.com/office/drawing/2014/main" id="{D36359F3-2F93-41AD-82EE-7A73DDE57DAC}"/>
+                <a16:creationId xmlns:a16="http://schemas.microsoft.com/office/drawing/2014/main" xmlns="" id="{D36359F3-2F93-41AD-82EE-7A73DDE57DAC}"/>
               </a:ext>
             </a:extLst>
           </p:cNvPr>
@@ -1992,7 +2011,7 @@
           <p:cNvPr id="5" name="Номер слайда 4">
             <a:extLst>
               <a:ext uri="{FF2B5EF4-FFF2-40B4-BE49-F238E27FC236}">
-                <a16:creationId xmlns:a16="http://schemas.microsoft.com/office/drawing/2014/main" id="{2412BD9B-92F1-4C5B-848E-7191499F9A43}"/>
+                <a16:creationId xmlns:a16="http://schemas.microsoft.com/office/drawing/2014/main" xmlns="" id="{2412BD9B-92F1-4C5B-848E-7191499F9A43}"/>
               </a:ext>
             </a:extLst>
           </p:cNvPr>
@@ -2010,6 +2029,7 @@
           <a:p>
             <a:fld id="{E63E4ADB-0263-48FD-9968-1937273CC69C}" type="slidenum">
               <a:rPr lang="ru-RU" smtClean="0"/>
+              <a:pPr/>
               <a:t>‹#›</a:t>
             </a:fld>
             <a:endParaRPr lang="ru-RU"/>
@@ -2019,7 +2039,7 @@
     </p:spTree>
     <p:extLst>
       <p:ext uri="{BB962C8B-B14F-4D97-AF65-F5344CB8AC3E}">
-        <p14:creationId xmlns:p14="http://schemas.microsoft.com/office/powerpoint/2010/main" val="3399100184"/>
+        <p14:creationId xmlns:p14="http://schemas.microsoft.com/office/powerpoint/2010/main" xmlns="" val="3399100184"/>
       </p:ext>
     </p:extLst>
   </p:cSld>
@@ -2051,7 +2071,7 @@
           <p:cNvPr id="2" name="Дата 1">
             <a:extLst>
               <a:ext uri="{FF2B5EF4-FFF2-40B4-BE49-F238E27FC236}">
-                <a16:creationId xmlns:a16="http://schemas.microsoft.com/office/drawing/2014/main" id="{3573B5DB-05B0-4C7F-9ABC-5CE71FFA1812}"/>
+                <a16:creationId xmlns:a16="http://schemas.microsoft.com/office/drawing/2014/main" xmlns="" id="{3573B5DB-05B0-4C7F-9ABC-5CE71FFA1812}"/>
               </a:ext>
             </a:extLst>
           </p:cNvPr>
@@ -2069,6 +2089,7 @@
           <a:p>
             <a:fld id="{BC322DC5-9CEB-4272-A40E-A2F43F9A662A}" type="datetimeFigureOut">
               <a:rPr lang="ru-RU" smtClean="0"/>
+              <a:pPr/>
               <a:t>10.11.2021</a:t>
             </a:fld>
             <a:endParaRPr lang="ru-RU"/>
@@ -2080,7 +2101,7 @@
           <p:cNvPr id="3" name="Нижний колонтитул 2">
             <a:extLst>
               <a:ext uri="{FF2B5EF4-FFF2-40B4-BE49-F238E27FC236}">
-                <a16:creationId xmlns:a16="http://schemas.microsoft.com/office/drawing/2014/main" id="{9AAB941A-2449-4DBF-AE80-0DC4E4CF1E52}"/>
+                <a16:creationId xmlns:a16="http://schemas.microsoft.com/office/drawing/2014/main" xmlns="" id="{9AAB941A-2449-4DBF-AE80-0DC4E4CF1E52}"/>
               </a:ext>
             </a:extLst>
           </p:cNvPr>
@@ -2105,7 +2126,7 @@
           <p:cNvPr id="4" name="Номер слайда 3">
             <a:extLst>
               <a:ext uri="{FF2B5EF4-FFF2-40B4-BE49-F238E27FC236}">
-                <a16:creationId xmlns:a16="http://schemas.microsoft.com/office/drawing/2014/main" id="{950EA8DE-BA7C-4A6A-9830-F8B9E4BD6895}"/>
+                <a16:creationId xmlns:a16="http://schemas.microsoft.com/office/drawing/2014/main" xmlns="" id="{950EA8DE-BA7C-4A6A-9830-F8B9E4BD6895}"/>
               </a:ext>
             </a:extLst>
           </p:cNvPr>
@@ -2123,6 +2144,7 @@
           <a:p>
             <a:fld id="{E63E4ADB-0263-48FD-9968-1937273CC69C}" type="slidenum">
               <a:rPr lang="ru-RU" smtClean="0"/>
+              <a:pPr/>
               <a:t>‹#›</a:t>
             </a:fld>
             <a:endParaRPr lang="ru-RU"/>
@@ -2132,7 +2154,7 @@
     </p:spTree>
     <p:extLst>
       <p:ext uri="{BB962C8B-B14F-4D97-AF65-F5344CB8AC3E}">
-        <p14:creationId xmlns:p14="http://schemas.microsoft.com/office/powerpoint/2010/main" val="774609749"/>
+        <p14:creationId xmlns:p14="http://schemas.microsoft.com/office/powerpoint/2010/main" xmlns="" val="774609749"/>
       </p:ext>
     </p:extLst>
   </p:cSld>
@@ -2164,7 +2186,7 @@
           <p:cNvPr id="2" name="Заголовок 1">
             <a:extLst>
               <a:ext uri="{FF2B5EF4-FFF2-40B4-BE49-F238E27FC236}">
-                <a16:creationId xmlns:a16="http://schemas.microsoft.com/office/drawing/2014/main" id="{9CE1E7DC-950C-48CA-A88E-F0FB849F01F0}"/>
+                <a16:creationId xmlns:a16="http://schemas.microsoft.com/office/drawing/2014/main" xmlns="" id="{9CE1E7DC-950C-48CA-A88E-F0FB849F01F0}"/>
               </a:ext>
             </a:extLst>
           </p:cNvPr>
@@ -2201,7 +2223,7 @@
           <p:cNvPr id="3" name="Объект 2">
             <a:extLst>
               <a:ext uri="{FF2B5EF4-FFF2-40B4-BE49-F238E27FC236}">
-                <a16:creationId xmlns:a16="http://schemas.microsoft.com/office/drawing/2014/main" id="{49F24106-735B-43E4-8D92-29EE5DFB154C}"/>
+                <a16:creationId xmlns:a16="http://schemas.microsoft.com/office/drawing/2014/main" xmlns="" id="{49F24106-735B-43E4-8D92-29EE5DFB154C}"/>
               </a:ext>
             </a:extLst>
           </p:cNvPr>
@@ -2291,7 +2313,7 @@
           <p:cNvPr id="4" name="Текст 3">
             <a:extLst>
               <a:ext uri="{FF2B5EF4-FFF2-40B4-BE49-F238E27FC236}">
-                <a16:creationId xmlns:a16="http://schemas.microsoft.com/office/drawing/2014/main" id="{4C6EF2C2-D844-44F5-A57F-896705BDFA97}"/>
+                <a16:creationId xmlns:a16="http://schemas.microsoft.com/office/drawing/2014/main" xmlns="" id="{4C6EF2C2-D844-44F5-A57F-896705BDFA97}"/>
               </a:ext>
             </a:extLst>
           </p:cNvPr>
@@ -2362,7 +2384,7 @@
           <p:cNvPr id="5" name="Дата 4">
             <a:extLst>
               <a:ext uri="{FF2B5EF4-FFF2-40B4-BE49-F238E27FC236}">
-                <a16:creationId xmlns:a16="http://schemas.microsoft.com/office/drawing/2014/main" id="{C598FB8A-F53C-4E7A-8220-55169390F525}"/>
+                <a16:creationId xmlns:a16="http://schemas.microsoft.com/office/drawing/2014/main" xmlns="" id="{C598FB8A-F53C-4E7A-8220-55169390F525}"/>
               </a:ext>
             </a:extLst>
           </p:cNvPr>
@@ -2380,6 +2402,7 @@
           <a:p>
             <a:fld id="{BC322DC5-9CEB-4272-A40E-A2F43F9A662A}" type="datetimeFigureOut">
               <a:rPr lang="ru-RU" smtClean="0"/>
+              <a:pPr/>
               <a:t>10.11.2021</a:t>
             </a:fld>
             <a:endParaRPr lang="ru-RU"/>
@@ -2391,7 +2414,7 @@
           <p:cNvPr id="6" name="Нижний колонтитул 5">
             <a:extLst>
               <a:ext uri="{FF2B5EF4-FFF2-40B4-BE49-F238E27FC236}">
-                <a16:creationId xmlns:a16="http://schemas.microsoft.com/office/drawing/2014/main" id="{68E2CAA3-6F5B-47FF-804F-80234AD15A20}"/>
+                <a16:creationId xmlns:a16="http://schemas.microsoft.com/office/drawing/2014/main" xmlns="" id="{68E2CAA3-6F5B-47FF-804F-80234AD15A20}"/>
               </a:ext>
             </a:extLst>
           </p:cNvPr>
@@ -2416,7 +2439,7 @@
           <p:cNvPr id="7" name="Номер слайда 6">
             <a:extLst>
               <a:ext uri="{FF2B5EF4-FFF2-40B4-BE49-F238E27FC236}">
-                <a16:creationId xmlns:a16="http://schemas.microsoft.com/office/drawing/2014/main" id="{895B2895-0ECC-4CC1-AAA0-BA12B7957F01}"/>
+                <a16:creationId xmlns:a16="http://schemas.microsoft.com/office/drawing/2014/main" xmlns="" id="{895B2895-0ECC-4CC1-AAA0-BA12B7957F01}"/>
               </a:ext>
             </a:extLst>
           </p:cNvPr>
@@ -2434,6 +2457,7 @@
           <a:p>
             <a:fld id="{E63E4ADB-0263-48FD-9968-1937273CC69C}" type="slidenum">
               <a:rPr lang="ru-RU" smtClean="0"/>
+              <a:pPr/>
               <a:t>‹#›</a:t>
             </a:fld>
             <a:endParaRPr lang="ru-RU"/>
@@ -2443,7 +2467,7 @@
     </p:spTree>
     <p:extLst>
       <p:ext uri="{BB962C8B-B14F-4D97-AF65-F5344CB8AC3E}">
-        <p14:creationId xmlns:p14="http://schemas.microsoft.com/office/powerpoint/2010/main" val="1594082498"/>
+        <p14:creationId xmlns:p14="http://schemas.microsoft.com/office/powerpoint/2010/main" xmlns="" val="1594082498"/>
       </p:ext>
     </p:extLst>
   </p:cSld>
@@ -2475,7 +2499,7 @@
           <p:cNvPr id="2" name="Заголовок 1">
             <a:extLst>
               <a:ext uri="{FF2B5EF4-FFF2-40B4-BE49-F238E27FC236}">
-                <a16:creationId xmlns:a16="http://schemas.microsoft.com/office/drawing/2014/main" id="{20DA2FD0-7183-4D32-9A84-ECE65910253F}"/>
+                <a16:creationId xmlns:a16="http://schemas.microsoft.com/office/drawing/2014/main" xmlns="" id="{20DA2FD0-7183-4D32-9A84-ECE65910253F}"/>
               </a:ext>
             </a:extLst>
           </p:cNvPr>
@@ -2512,7 +2536,7 @@
           <p:cNvPr id="3" name="Рисунок 2">
             <a:extLst>
               <a:ext uri="{FF2B5EF4-FFF2-40B4-BE49-F238E27FC236}">
-                <a16:creationId xmlns:a16="http://schemas.microsoft.com/office/drawing/2014/main" id="{B260B7A0-0C7B-453D-B01C-0E4D6A051AD7}"/>
+                <a16:creationId xmlns:a16="http://schemas.microsoft.com/office/drawing/2014/main" xmlns="" id="{B260B7A0-0C7B-453D-B01C-0E4D6A051AD7}"/>
               </a:ext>
             </a:extLst>
           </p:cNvPr>
@@ -2579,7 +2603,7 @@
           <p:cNvPr id="4" name="Текст 3">
             <a:extLst>
               <a:ext uri="{FF2B5EF4-FFF2-40B4-BE49-F238E27FC236}">
-                <a16:creationId xmlns:a16="http://schemas.microsoft.com/office/drawing/2014/main" id="{92876961-D6DF-486F-BC4D-5583F9007EFE}"/>
+                <a16:creationId xmlns:a16="http://schemas.microsoft.com/office/drawing/2014/main" xmlns="" id="{92876961-D6DF-486F-BC4D-5583F9007EFE}"/>
               </a:ext>
             </a:extLst>
           </p:cNvPr>
@@ -2650,7 +2674,7 @@
           <p:cNvPr id="5" name="Дата 4">
             <a:extLst>
               <a:ext uri="{FF2B5EF4-FFF2-40B4-BE49-F238E27FC236}">
-                <a16:creationId xmlns:a16="http://schemas.microsoft.com/office/drawing/2014/main" id="{78C76067-8088-409E-826E-2EE57540B247}"/>
+                <a16:creationId xmlns:a16="http://schemas.microsoft.com/office/drawing/2014/main" xmlns="" id="{78C76067-8088-409E-826E-2EE57540B247}"/>
               </a:ext>
             </a:extLst>
           </p:cNvPr>
@@ -2668,6 +2692,7 @@
           <a:p>
             <a:fld id="{BC322DC5-9CEB-4272-A40E-A2F43F9A662A}" type="datetimeFigureOut">
               <a:rPr lang="ru-RU" smtClean="0"/>
+              <a:pPr/>
               <a:t>10.11.2021</a:t>
             </a:fld>
             <a:endParaRPr lang="ru-RU"/>
@@ -2679,7 +2704,7 @@
           <p:cNvPr id="6" name="Нижний колонтитул 5">
             <a:extLst>
               <a:ext uri="{FF2B5EF4-FFF2-40B4-BE49-F238E27FC236}">
-                <a16:creationId xmlns:a16="http://schemas.microsoft.com/office/drawing/2014/main" id="{DFC35AD8-501B-49C0-99E7-9A81FF19D938}"/>
+                <a16:creationId xmlns:a16="http://schemas.microsoft.com/office/drawing/2014/main" xmlns="" id="{DFC35AD8-501B-49C0-99E7-9A81FF19D938}"/>
               </a:ext>
             </a:extLst>
           </p:cNvPr>
@@ -2704,7 +2729,7 @@
           <p:cNvPr id="7" name="Номер слайда 6">
             <a:extLst>
               <a:ext uri="{FF2B5EF4-FFF2-40B4-BE49-F238E27FC236}">
-                <a16:creationId xmlns:a16="http://schemas.microsoft.com/office/drawing/2014/main" id="{B447012B-8DC5-4D47-9455-E454D8794AAA}"/>
+                <a16:creationId xmlns:a16="http://schemas.microsoft.com/office/drawing/2014/main" xmlns="" id="{B447012B-8DC5-4D47-9455-E454D8794AAA}"/>
               </a:ext>
             </a:extLst>
           </p:cNvPr>
@@ -2722,6 +2747,7 @@
           <a:p>
             <a:fld id="{E63E4ADB-0263-48FD-9968-1937273CC69C}" type="slidenum">
               <a:rPr lang="ru-RU" smtClean="0"/>
+              <a:pPr/>
               <a:t>‹#›</a:t>
             </a:fld>
             <a:endParaRPr lang="ru-RU"/>
@@ -2731,7 +2757,7 @@
     </p:spTree>
     <p:extLst>
       <p:ext uri="{BB962C8B-B14F-4D97-AF65-F5344CB8AC3E}">
-        <p14:creationId xmlns:p14="http://schemas.microsoft.com/office/powerpoint/2010/main" val="1925693873"/>
+        <p14:creationId xmlns:p14="http://schemas.microsoft.com/office/powerpoint/2010/main" xmlns="" val="1925693873"/>
       </p:ext>
     </p:extLst>
   </p:cSld>
@@ -2768,7 +2794,7 @@
           <p:cNvPr id="2" name="Заголовок 1">
             <a:extLst>
               <a:ext uri="{FF2B5EF4-FFF2-40B4-BE49-F238E27FC236}">
-                <a16:creationId xmlns:a16="http://schemas.microsoft.com/office/drawing/2014/main" id="{652E15D5-B4E8-4B3A-A9C7-9BB9637E9E42}"/>
+                <a16:creationId xmlns:a16="http://schemas.microsoft.com/office/drawing/2014/main" xmlns="" id="{652E15D5-B4E8-4B3A-A9C7-9BB9637E9E42}"/>
               </a:ext>
             </a:extLst>
           </p:cNvPr>
@@ -2806,7 +2832,7 @@
           <p:cNvPr id="3" name="Текст 2">
             <a:extLst>
               <a:ext uri="{FF2B5EF4-FFF2-40B4-BE49-F238E27FC236}">
-                <a16:creationId xmlns:a16="http://schemas.microsoft.com/office/drawing/2014/main" id="{8A7D249A-E56D-498A-AAA9-3ADB33D4E314}"/>
+                <a16:creationId xmlns:a16="http://schemas.microsoft.com/office/drawing/2014/main" xmlns="" id="{8A7D249A-E56D-498A-AAA9-3ADB33D4E314}"/>
               </a:ext>
             </a:extLst>
           </p:cNvPr>
@@ -2873,7 +2899,7 @@
           <p:cNvPr id="4" name="Дата 3">
             <a:extLst>
               <a:ext uri="{FF2B5EF4-FFF2-40B4-BE49-F238E27FC236}">
-                <a16:creationId xmlns:a16="http://schemas.microsoft.com/office/drawing/2014/main" id="{1FB1EC7D-4FDA-49CA-8AFD-9B6DAFF958AE}"/>
+                <a16:creationId xmlns:a16="http://schemas.microsoft.com/office/drawing/2014/main" xmlns="" id="{1FB1EC7D-4FDA-49CA-8AFD-9B6DAFF958AE}"/>
               </a:ext>
             </a:extLst>
           </p:cNvPr>
@@ -2909,6 +2935,7 @@
           <a:p>
             <a:fld id="{BC322DC5-9CEB-4272-A40E-A2F43F9A662A}" type="datetimeFigureOut">
               <a:rPr lang="ru-RU" smtClean="0"/>
+              <a:pPr/>
               <a:t>10.11.2021</a:t>
             </a:fld>
             <a:endParaRPr lang="ru-RU"/>
@@ -2920,7 +2947,7 @@
           <p:cNvPr id="5" name="Нижний колонтитул 4">
             <a:extLst>
               <a:ext uri="{FF2B5EF4-FFF2-40B4-BE49-F238E27FC236}">
-                <a16:creationId xmlns:a16="http://schemas.microsoft.com/office/drawing/2014/main" id="{D47A96CB-F691-4A84-BF79-CFA1B03E5B68}"/>
+                <a16:creationId xmlns:a16="http://schemas.microsoft.com/office/drawing/2014/main" xmlns="" id="{D47A96CB-F691-4A84-BF79-CFA1B03E5B68}"/>
               </a:ext>
             </a:extLst>
           </p:cNvPr>
@@ -2963,7 +2990,7 @@
           <p:cNvPr id="6" name="Номер слайда 5">
             <a:extLst>
               <a:ext uri="{FF2B5EF4-FFF2-40B4-BE49-F238E27FC236}">
-                <a16:creationId xmlns:a16="http://schemas.microsoft.com/office/drawing/2014/main" id="{90B80503-A600-4BB7-8A31-63895FF2AED4}"/>
+                <a16:creationId xmlns:a16="http://schemas.microsoft.com/office/drawing/2014/main" xmlns="" id="{90B80503-A600-4BB7-8A31-63895FF2AED4}"/>
               </a:ext>
             </a:extLst>
           </p:cNvPr>
@@ -2999,6 +3026,7 @@
           <a:p>
             <a:fld id="{E63E4ADB-0263-48FD-9968-1937273CC69C}" type="slidenum">
               <a:rPr lang="ru-RU" smtClean="0"/>
+              <a:pPr/>
               <a:t>‹#›</a:t>
             </a:fld>
             <a:endParaRPr lang="ru-RU"/>
@@ -3008,7 +3036,7 @@
     </p:spTree>
     <p:extLst>
       <p:ext uri="{BB962C8B-B14F-4D97-AF65-F5344CB8AC3E}">
-        <p14:creationId xmlns:p14="http://schemas.microsoft.com/office/powerpoint/2010/main" val="4126175507"/>
+        <p14:creationId xmlns:p14="http://schemas.microsoft.com/office/powerpoint/2010/main" xmlns="" val="4126175507"/>
       </p:ext>
     </p:extLst>
   </p:cSld>
@@ -3331,7 +3359,7 @@
           <p:cNvPr id="2" name="Заголовок 1">
             <a:extLst>
               <a:ext uri="{FF2B5EF4-FFF2-40B4-BE49-F238E27FC236}">
-                <a16:creationId xmlns:a16="http://schemas.microsoft.com/office/drawing/2014/main" id="{B8DEC1AE-844D-48FA-B716-571BD8986429}"/>
+                <a16:creationId xmlns:a16="http://schemas.microsoft.com/office/drawing/2014/main" xmlns="" id="{B8DEC1AE-844D-48FA-B716-571BD8986429}"/>
               </a:ext>
             </a:extLst>
           </p:cNvPr>
@@ -3360,7 +3388,7 @@
           <p:cNvPr id="3" name="Подзаголовок 2">
             <a:extLst>
               <a:ext uri="{FF2B5EF4-FFF2-40B4-BE49-F238E27FC236}">
-                <a16:creationId xmlns:a16="http://schemas.microsoft.com/office/drawing/2014/main" id="{BFDF80FD-5B87-4378-9327-EA0675B239FC}"/>
+                <a16:creationId xmlns:a16="http://schemas.microsoft.com/office/drawing/2014/main" xmlns="" id="{BFDF80FD-5B87-4378-9327-EA0675B239FC}"/>
               </a:ext>
             </a:extLst>
           </p:cNvPr>
@@ -3401,7 +3429,111 @@
     </p:spTree>
     <p:extLst>
       <p:ext uri="{BB962C8B-B14F-4D97-AF65-F5344CB8AC3E}">
-        <p14:creationId xmlns:p14="http://schemas.microsoft.com/office/powerpoint/2010/main" val="1210054701"/>
+        <p14:creationId xmlns:p14="http://schemas.microsoft.com/office/powerpoint/2010/main" xmlns="" val="1210054701"/>
+      </p:ext>
+    </p:extLst>
+  </p:cSld>
+  <p:clrMapOvr>
+    <a:masterClrMapping/>
+  </p:clrMapOvr>
+</p:sld>
+</file>
+
+<file path=ppt/slides/slide10.xml><?xml version="1.0" encoding="utf-8"?>
+<p:sld xmlns:a="http://schemas.openxmlformats.org/drawingml/2006/main" xmlns:r="http://schemas.openxmlformats.org/officeDocument/2006/relationships" xmlns:p="http://schemas.openxmlformats.org/presentationml/2006/main">
+  <p:cSld>
+    <p:spTree>
+      <p:nvGrpSpPr>
+        <p:cNvPr id="1" name=""/>
+        <p:cNvGrpSpPr/>
+        <p:nvPr/>
+      </p:nvGrpSpPr>
+      <p:grpSpPr>
+        <a:xfrm>
+          <a:off x="0" y="0"/>
+          <a:ext cx="0" cy="0"/>
+          <a:chOff x="0" y="0"/>
+          <a:chExt cx="0" cy="0"/>
+        </a:xfrm>
+      </p:grpSpPr>
+      <p:sp>
+        <p:nvSpPr>
+          <p:cNvPr id="2" name="Заголовок 1">
+            <a:extLst>
+              <a:ext uri="{FF2B5EF4-FFF2-40B4-BE49-F238E27FC236}">
+                <a16:creationId xmlns:a16="http://schemas.microsoft.com/office/drawing/2014/main" xmlns="" id="{68881FD4-4933-4794-B281-B5C6E0080453}"/>
+              </a:ext>
+            </a:extLst>
+          </p:cNvPr>
+          <p:cNvSpPr>
+            <a:spLocks noGrp="1"/>
+          </p:cNvSpPr>
+          <p:nvPr>
+            <p:ph type="title"/>
+          </p:nvPr>
+        </p:nvSpPr>
+        <p:spPr/>
+        <p:txBody>
+          <a:bodyPr/>
+          <a:lstStyle/>
+          <a:p>
+            <a:r>
+              <a:rPr lang="ru-RU" dirty="0"/>
+              <a:t>Возможности для доработки</a:t>
+            </a:r>
+          </a:p>
+        </p:txBody>
+      </p:sp>
+      <p:sp>
+        <p:nvSpPr>
+          <p:cNvPr id="3" name="Объект 2">
+            <a:extLst>
+              <a:ext uri="{FF2B5EF4-FFF2-40B4-BE49-F238E27FC236}">
+                <a16:creationId xmlns:a16="http://schemas.microsoft.com/office/drawing/2014/main" xmlns="" id="{5941EB6D-2004-46ED-9511-C8498665D619}"/>
+              </a:ext>
+            </a:extLst>
+          </p:cNvPr>
+          <p:cNvSpPr>
+            <a:spLocks noGrp="1"/>
+          </p:cNvSpPr>
+          <p:nvPr>
+            <p:ph idx="1"/>
+          </p:nvPr>
+        </p:nvSpPr>
+        <p:spPr/>
+        <p:txBody>
+          <a:bodyPr/>
+          <a:lstStyle/>
+          <a:p>
+            <a:r>
+              <a:rPr lang="ru-RU" dirty="0"/>
+              <a:t>Реализация поиска аудио</a:t>
+            </a:r>
+          </a:p>
+          <a:p>
+            <a:r>
+              <a:rPr lang="ru-RU" dirty="0"/>
+              <a:t>Дизайн</a:t>
+            </a:r>
+          </a:p>
+          <a:p>
+            <a:r>
+              <a:rPr lang="ru-RU" dirty="0"/>
+              <a:t>Оптимизация</a:t>
+            </a:r>
+          </a:p>
+          <a:p>
+            <a:r>
+              <a:rPr lang="ru-RU" dirty="0"/>
+              <a:t>Добавление пользовательских плейлистов</a:t>
+            </a:r>
+          </a:p>
+        </p:txBody>
+      </p:sp>
+    </p:spTree>
+    <p:extLst>
+      <p:ext uri="{BB962C8B-B14F-4D97-AF65-F5344CB8AC3E}">
+        <p14:creationId xmlns:p14="http://schemas.microsoft.com/office/powerpoint/2010/main" xmlns="" val="4028118085"/>
       </p:ext>
     </p:extLst>
   </p:cSld>
@@ -3433,7 +3565,7 @@
           <p:cNvPr id="2" name="Заголовок 1">
             <a:extLst>
               <a:ext uri="{FF2B5EF4-FFF2-40B4-BE49-F238E27FC236}">
-                <a16:creationId xmlns:a16="http://schemas.microsoft.com/office/drawing/2014/main" id="{A17E32DE-D300-4952-AC8F-B8513DB78CF4}"/>
+                <a16:creationId xmlns:a16="http://schemas.microsoft.com/office/drawing/2014/main" xmlns="" id="{A17E32DE-D300-4952-AC8F-B8513DB78CF4}"/>
               </a:ext>
             </a:extLst>
           </p:cNvPr>
@@ -3468,7 +3600,7 @@
           <p:cNvPr id="3" name="Объект 2">
             <a:extLst>
               <a:ext uri="{FF2B5EF4-FFF2-40B4-BE49-F238E27FC236}">
-                <a16:creationId xmlns:a16="http://schemas.microsoft.com/office/drawing/2014/main" id="{06FFD729-24EF-423A-8F2C-7FE500CFB2A2}"/>
+                <a16:creationId xmlns:a16="http://schemas.microsoft.com/office/drawing/2014/main" xmlns="" id="{06FFD729-24EF-423A-8F2C-7FE500CFB2A2}"/>
               </a:ext>
             </a:extLst>
           </p:cNvPr>
@@ -3504,7 +3636,7 @@
     </p:spTree>
     <p:extLst>
       <p:ext uri="{BB962C8B-B14F-4D97-AF65-F5344CB8AC3E}">
-        <p14:creationId xmlns:p14="http://schemas.microsoft.com/office/powerpoint/2010/main" val="3959395861"/>
+        <p14:creationId xmlns:p14="http://schemas.microsoft.com/office/powerpoint/2010/main" xmlns="" val="3959395861"/>
       </p:ext>
     </p:extLst>
   </p:cSld>
@@ -3536,7 +3668,7 @@
           <p:cNvPr id="2" name="Заголовок 1">
             <a:extLst>
               <a:ext uri="{FF2B5EF4-FFF2-40B4-BE49-F238E27FC236}">
-                <a16:creationId xmlns:a16="http://schemas.microsoft.com/office/drawing/2014/main" id="{A8433187-8DD1-4109-BB5B-C6414E7F76D6}"/>
+                <a16:creationId xmlns:a16="http://schemas.microsoft.com/office/drawing/2014/main" xmlns="" id="{A8433187-8DD1-4109-BB5B-C6414E7F76D6}"/>
               </a:ext>
             </a:extLst>
           </p:cNvPr>
@@ -3564,7 +3696,7 @@
           <p:cNvPr id="3" name="Объект 2">
             <a:extLst>
               <a:ext uri="{FF2B5EF4-FFF2-40B4-BE49-F238E27FC236}">
-                <a16:creationId xmlns:a16="http://schemas.microsoft.com/office/drawing/2014/main" id="{CA57C871-808B-4206-97DB-543020840021}"/>
+                <a16:creationId xmlns:a16="http://schemas.microsoft.com/office/drawing/2014/main" xmlns="" id="{CA57C871-808B-4206-97DB-543020840021}"/>
               </a:ext>
             </a:extLst>
           </p:cNvPr>
@@ -3621,7 +3753,7 @@
     </p:spTree>
     <p:extLst>
       <p:ext uri="{BB962C8B-B14F-4D97-AF65-F5344CB8AC3E}">
-        <p14:creationId xmlns:p14="http://schemas.microsoft.com/office/powerpoint/2010/main" val="2419741022"/>
+        <p14:creationId xmlns:p14="http://schemas.microsoft.com/office/powerpoint/2010/main" xmlns="" val="2419741022"/>
       </p:ext>
     </p:extLst>
   </p:cSld>
@@ -3653,7 +3785,7 @@
           <p:cNvPr id="9" name="Заголовок 8">
             <a:extLst>
               <a:ext uri="{FF2B5EF4-FFF2-40B4-BE49-F238E27FC236}">
-                <a16:creationId xmlns:a16="http://schemas.microsoft.com/office/drawing/2014/main" id="{27B424B2-E71F-41A9-9F01-F1AEFFE3545F}"/>
+                <a16:creationId xmlns:a16="http://schemas.microsoft.com/office/drawing/2014/main" xmlns="" id="{27B424B2-E71F-41A9-9F01-F1AEFFE3545F}"/>
               </a:ext>
             </a:extLst>
           </p:cNvPr>
@@ -3670,18 +3802,19 @@
           <a:lstStyle/>
           <a:p>
             <a:r>
-              <a:rPr lang="ru-RU" dirty="0"/>
-              <a:t>Дизайн приложения</a:t>
-            </a:r>
+              <a:rPr lang="ru-RU" dirty="0" smtClean="0"/>
+              <a:t>Примеры работы приложения</a:t>
+            </a:r>
+            <a:endParaRPr lang="ru-RU" dirty="0"/>
           </a:p>
         </p:txBody>
       </p:sp>
       <p:pic>
         <p:nvPicPr>
-          <p:cNvPr id="11" name="Объект 10">
-            <a:extLst>
-              <a:ext uri="{FF2B5EF4-FFF2-40B4-BE49-F238E27FC236}">
-                <a16:creationId xmlns:a16="http://schemas.microsoft.com/office/drawing/2014/main" id="{1358B1D3-2B54-4385-BA14-24637BEAD02F}"/>
+          <p:cNvPr id="6" name="Объект 10">
+            <a:extLst>
+              <a:ext uri="{FF2B5EF4-FFF2-40B4-BE49-F238E27FC236}">
+                <a16:creationId xmlns:a16="http://schemas.microsoft.com/office/drawing/2014/main" xmlns="" id="{1358B1D3-2B54-4385-BA14-24637BEAD02F}"/>
               </a:ext>
             </a:extLst>
           </p:cNvPr>
@@ -3689,7 +3822,7 @@
             <a:picLocks noGrp="1" noChangeAspect="1"/>
           </p:cNvPicPr>
           <p:nvPr>
-            <p:ph idx="1"/>
+            <p:ph sz="half" idx="2"/>
           </p:nvPr>
         </p:nvPicPr>
         <p:blipFill rotWithShape="1">
@@ -3699,18 +3832,57 @@
         </p:blipFill>
         <p:spPr>
           <a:xfrm>
-            <a:off x="2078858" y="2334594"/>
-            <a:ext cx="8034284" cy="3333399"/>
+            <a:off x="6172200" y="2926379"/>
+            <a:ext cx="5181600" cy="2149830"/>
           </a:xfrm>
           <a:prstGeom prst="rect">
             <a:avLst/>
           </a:prstGeom>
         </p:spPr>
       </p:pic>
+      <p:sp>
+        <p:nvSpPr>
+          <p:cNvPr id="7" name="Содержимое 6"/>
+          <p:cNvSpPr>
+            <a:spLocks noGrp="1"/>
+          </p:cNvSpPr>
+          <p:nvPr>
+            <p:ph sz="half" idx="1"/>
+          </p:nvPr>
+        </p:nvSpPr>
+        <p:spPr/>
+        <p:txBody>
+          <a:bodyPr/>
+          <a:lstStyle/>
+          <a:p>
+            <a:pPr>
+              <a:buNone/>
+            </a:pPr>
+            <a:r>
+              <a:rPr lang="ru-RU" dirty="0" smtClean="0"/>
+              <a:t>На главном окне присутствуют</a:t>
+            </a:r>
+          </a:p>
+          <a:p>
+            <a:pPr>
+              <a:buNone/>
+            </a:pPr>
+            <a:r>
+              <a:rPr lang="ru-RU" dirty="0" smtClean="0"/>
+              <a:t>Кнопки для управления плеером и </a:t>
+            </a:r>
+            <a:r>
+              <a:rPr lang="ru-RU" dirty="0" err="1" smtClean="0"/>
+              <a:t>плейлистами</a:t>
+            </a:r>
+            <a:endParaRPr lang="ru-RU" dirty="0"/>
+          </a:p>
+        </p:txBody>
+      </p:sp>
     </p:spTree>
     <p:extLst>
       <p:ext uri="{BB962C8B-B14F-4D97-AF65-F5344CB8AC3E}">
-        <p14:creationId xmlns:p14="http://schemas.microsoft.com/office/powerpoint/2010/main" val="4112667207"/>
+        <p14:creationId xmlns:p14="http://schemas.microsoft.com/office/powerpoint/2010/main" xmlns="" val="4112667207"/>
       </p:ext>
     </p:extLst>
   </p:cSld>
@@ -3739,13 +3911,7 @@
       </p:grpSpPr>
       <p:sp>
         <p:nvSpPr>
-          <p:cNvPr id="2" name="Заголовок 1">
-            <a:extLst>
-              <a:ext uri="{FF2B5EF4-FFF2-40B4-BE49-F238E27FC236}">
-                <a16:creationId xmlns:a16="http://schemas.microsoft.com/office/drawing/2014/main" id="{752DF418-E43B-4E65-AB2C-27002903BF7E}"/>
-              </a:ext>
-            </a:extLst>
-          </p:cNvPr>
+          <p:cNvPr id="2" name="Заголовок 1"/>
           <p:cNvSpPr>
             <a:spLocks noGrp="1"/>
           </p:cNvSpPr>
@@ -3759,78 +3925,56 @@
           <a:lstStyle/>
           <a:p>
             <a:r>
-              <a:rPr lang="ru-RU" dirty="0"/>
-              <a:t>Использованные технологии</a:t>
-            </a:r>
-          </a:p>
-        </p:txBody>
-      </p:sp>
-      <p:sp>
-        <p:nvSpPr>
-          <p:cNvPr id="3" name="Объект 2">
-            <a:extLst>
-              <a:ext uri="{FF2B5EF4-FFF2-40B4-BE49-F238E27FC236}">
-                <a16:creationId xmlns:a16="http://schemas.microsoft.com/office/drawing/2014/main" id="{61F53EFD-9642-4E89-8644-BF02599ED92F}"/>
-              </a:ext>
-            </a:extLst>
-          </p:cNvPr>
-          <p:cNvSpPr>
-            <a:spLocks noGrp="1"/>
-          </p:cNvSpPr>
+              <a:rPr lang="ru-RU" dirty="0" smtClean="0"/>
+              <a:t>При нажатии на кнопку добавления аудио</a:t>
+            </a:r>
+            <a:br>
+              <a:rPr lang="ru-RU" dirty="0" smtClean="0"/>
+            </a:br>
+            <a:r>
+              <a:rPr lang="ru-RU" dirty="0" smtClean="0"/>
+              <a:t>появляется диалог с выбором типа аудио</a:t>
+            </a:r>
+            <a:endParaRPr lang="ru-RU" dirty="0"/>
+          </a:p>
+        </p:txBody>
+      </p:sp>
+      <p:pic>
+        <p:nvPicPr>
+          <p:cNvPr id="1030" name="Picture 6"/>
+          <p:cNvPicPr>
+            <a:picLocks noGrp="1" noChangeAspect="1" noChangeArrowheads="1"/>
+          </p:cNvPicPr>
           <p:nvPr>
             <p:ph idx="1"/>
           </p:nvPr>
-        </p:nvSpPr>
-        <p:spPr/>
-        <p:txBody>
-          <a:bodyPr/>
-          <a:lstStyle/>
-          <a:p>
-            <a:r>
-              <a:rPr lang="en-US" dirty="0"/>
-              <a:t>Python 3.8</a:t>
-            </a:r>
-          </a:p>
-          <a:p>
-            <a:r>
-              <a:rPr lang="en-US" dirty="0"/>
-              <a:t>PyCharm</a:t>
-            </a:r>
-          </a:p>
-          <a:p>
-            <a:r>
-              <a:rPr lang="en-US" dirty="0" err="1"/>
-              <a:t>PyQT</a:t>
-            </a:r>
-            <a:r>
-              <a:rPr lang="en-US" dirty="0"/>
-              <a:t> 5, </a:t>
-            </a:r>
-            <a:r>
-              <a:rPr lang="en-US" dirty="0" err="1"/>
-              <a:t>QtDesigner</a:t>
-            </a:r>
-            <a:endParaRPr lang="en-US" dirty="0"/>
-          </a:p>
-          <a:p>
-            <a:r>
-              <a:rPr lang="en-US" dirty="0" err="1"/>
-              <a:t>Sqlite</a:t>
-            </a:r>
-            <a:r>
-              <a:rPr lang="en-US" dirty="0"/>
-              <a:t> 3</a:t>
-            </a:r>
-            <a:endParaRPr lang="ru-RU" dirty="0"/>
-          </a:p>
-        </p:txBody>
-      </p:sp>
+        </p:nvPicPr>
+        <p:blipFill>
+          <a:blip r:embed="rId2"/>
+          <a:srcRect/>
+          <a:stretch>
+            <a:fillRect/>
+          </a:stretch>
+        </p:blipFill>
+        <p:spPr bwMode="auto">
+          <a:xfrm>
+            <a:off x="2872740" y="2648744"/>
+            <a:ext cx="6446520" cy="2705100"/>
+          </a:xfrm>
+          <a:prstGeom prst="rect">
+            <a:avLst/>
+          </a:prstGeom>
+          <a:noFill/>
+          <a:ln w="9525">
+            <a:noFill/>
+            <a:miter lim="800000"/>
+            <a:headEnd/>
+            <a:tailEnd/>
+          </a:ln>
+          <a:effectLst/>
+        </p:spPr>
+      </p:pic>
     </p:spTree>
-    <p:extLst>
-      <p:ext uri="{BB962C8B-B14F-4D97-AF65-F5344CB8AC3E}">
-        <p14:creationId xmlns:p14="http://schemas.microsoft.com/office/powerpoint/2010/main" val="4291723052"/>
-      </p:ext>
-    </p:extLst>
   </p:cSld>
   <p:clrMapOvr>
     <a:masterClrMapping/>
@@ -3857,13 +4001,7 @@
       </p:grpSpPr>
       <p:sp>
         <p:nvSpPr>
-          <p:cNvPr id="2" name="Заголовок 1">
-            <a:extLst>
-              <a:ext uri="{FF2B5EF4-FFF2-40B4-BE49-F238E27FC236}">
-                <a16:creationId xmlns:a16="http://schemas.microsoft.com/office/drawing/2014/main" id="{68881FD4-4933-4794-B281-B5C6E0080453}"/>
-              </a:ext>
-            </a:extLst>
-          </p:cNvPr>
+          <p:cNvPr id="2" name="Заголовок 1"/>
           <p:cNvSpPr>
             <a:spLocks noGrp="1"/>
           </p:cNvSpPr>
@@ -3877,64 +4015,491 @@
           <a:lstStyle/>
           <a:p>
             <a:r>
-              <a:rPr lang="ru-RU" dirty="0"/>
-              <a:t>Возможности для доработки</a:t>
-            </a:r>
-          </a:p>
-        </p:txBody>
-      </p:sp>
-      <p:sp>
-        <p:nvSpPr>
-          <p:cNvPr id="3" name="Объект 2">
-            <a:extLst>
-              <a:ext uri="{FF2B5EF4-FFF2-40B4-BE49-F238E27FC236}">
-                <a16:creationId xmlns:a16="http://schemas.microsoft.com/office/drawing/2014/main" id="{5941EB6D-2004-46ED-9511-C8498665D619}"/>
-              </a:ext>
-            </a:extLst>
-          </p:cNvPr>
-          <p:cNvSpPr>
-            <a:spLocks noGrp="1"/>
-          </p:cNvSpPr>
-          <p:nvPr>
-            <p:ph idx="1"/>
-          </p:nvPr>
-        </p:nvSpPr>
-        <p:spPr/>
-        <p:txBody>
-          <a:bodyPr/>
-          <a:lstStyle/>
-          <a:p>
-            <a:r>
-              <a:rPr lang="ru-RU" dirty="0"/>
-              <a:t>Реализация поиска аудио</a:t>
-            </a:r>
-          </a:p>
-          <a:p>
-            <a:r>
-              <a:rPr lang="ru-RU" dirty="0"/>
-              <a:t>Дизайн</a:t>
-            </a:r>
-          </a:p>
-          <a:p>
-            <a:r>
-              <a:rPr lang="ru-RU" dirty="0"/>
-              <a:t>Оптимизация</a:t>
-            </a:r>
-          </a:p>
-          <a:p>
-            <a:r>
-              <a:rPr lang="ru-RU" dirty="0"/>
-              <a:t>Добавление пользовательских плейлистов</a:t>
-            </a:r>
-          </a:p>
-        </p:txBody>
-      </p:sp>
+              <a:rPr lang="ru-RU" dirty="0" smtClean="0"/>
+              <a:t>От выбора зависит следующий диалог</a:t>
+            </a:r>
+            <a:endParaRPr lang="ru-RU" dirty="0"/>
+          </a:p>
+        </p:txBody>
+      </p:sp>
+      <p:sp>
+        <p:nvSpPr>
+          <p:cNvPr id="3" name="Текст 2"/>
+          <p:cNvSpPr>
+            <a:spLocks noGrp="1"/>
+          </p:cNvSpPr>
+          <p:nvPr>
+            <p:ph type="body" idx="1"/>
+          </p:nvPr>
+        </p:nvSpPr>
+        <p:spPr/>
+        <p:txBody>
+          <a:bodyPr/>
+          <a:lstStyle/>
+          <a:p>
+            <a:r>
+              <a:rPr lang="ru-RU" dirty="0" smtClean="0"/>
+              <a:t>файл</a:t>
+            </a:r>
+            <a:endParaRPr lang="ru-RU" dirty="0"/>
+          </a:p>
+        </p:txBody>
+      </p:sp>
+      <p:sp>
+        <p:nvSpPr>
+          <p:cNvPr id="5" name="Текст 4"/>
+          <p:cNvSpPr>
+            <a:spLocks noGrp="1"/>
+          </p:cNvSpPr>
+          <p:nvPr>
+            <p:ph type="body" sz="quarter" idx="3"/>
+          </p:nvPr>
+        </p:nvSpPr>
+        <p:spPr/>
+        <p:txBody>
+          <a:bodyPr/>
+          <a:lstStyle/>
+          <a:p>
+            <a:r>
+              <a:rPr lang="ru-RU" dirty="0" smtClean="0"/>
+              <a:t>ссылка</a:t>
+            </a:r>
+            <a:endParaRPr lang="ru-RU" dirty="0"/>
+          </a:p>
+        </p:txBody>
+      </p:sp>
+      <p:pic>
+        <p:nvPicPr>
+          <p:cNvPr id="2050" name="Picture 2"/>
+          <p:cNvPicPr>
+            <a:picLocks noGrp="1" noChangeAspect="1" noChangeArrowheads="1"/>
+          </p:cNvPicPr>
+          <p:nvPr>
+            <p:ph sz="half" idx="2"/>
+          </p:nvPr>
+        </p:nvPicPr>
+        <p:blipFill>
+          <a:blip r:embed="rId2"/>
+          <a:srcRect/>
+          <a:stretch>
+            <a:fillRect/>
+          </a:stretch>
+        </p:blipFill>
+        <p:spPr bwMode="auto">
+          <a:xfrm>
+            <a:off x="839788" y="2724633"/>
+            <a:ext cx="5157787" cy="3245472"/>
+          </a:xfrm>
+          <a:prstGeom prst="rect">
+            <a:avLst/>
+          </a:prstGeom>
+          <a:noFill/>
+          <a:ln w="9525">
+            <a:noFill/>
+            <a:miter lim="800000"/>
+            <a:headEnd/>
+            <a:tailEnd/>
+          </a:ln>
+          <a:effectLst/>
+        </p:spPr>
+      </p:pic>
+      <p:pic>
+        <p:nvPicPr>
+          <p:cNvPr id="2051" name="Picture 3"/>
+          <p:cNvPicPr>
+            <a:picLocks noGrp="1" noChangeAspect="1" noChangeArrowheads="1"/>
+          </p:cNvPicPr>
+          <p:nvPr>
+            <p:ph sz="quarter" idx="4"/>
+          </p:nvPr>
+        </p:nvPicPr>
+        <p:blipFill>
+          <a:blip r:embed="rId3"/>
+          <a:srcRect/>
+          <a:stretch>
+            <a:fillRect/>
+          </a:stretch>
+        </p:blipFill>
+        <p:spPr bwMode="auto">
+          <a:xfrm>
+            <a:off x="6879541" y="3157268"/>
+            <a:ext cx="3881125" cy="2159423"/>
+          </a:xfrm>
+          <a:prstGeom prst="rect">
+            <a:avLst/>
+          </a:prstGeom>
+          <a:noFill/>
+          <a:ln w="9525">
+            <a:noFill/>
+            <a:miter lim="800000"/>
+            <a:headEnd/>
+            <a:tailEnd/>
+          </a:ln>
+          <a:effectLst/>
+        </p:spPr>
+      </p:pic>
     </p:spTree>
-    <p:extLst>
-      <p:ext uri="{BB962C8B-B14F-4D97-AF65-F5344CB8AC3E}">
-        <p14:creationId xmlns:p14="http://schemas.microsoft.com/office/powerpoint/2010/main" val="4028118085"/>
-      </p:ext>
-    </p:extLst>
+  </p:cSld>
+  <p:clrMapOvr>
+    <a:masterClrMapping/>
+  </p:clrMapOvr>
+</p:sld>
+</file>
+
+<file path=ppt/slides/slide7.xml><?xml version="1.0" encoding="utf-8"?>
+<p:sld xmlns:a="http://schemas.openxmlformats.org/drawingml/2006/main" xmlns:r="http://schemas.openxmlformats.org/officeDocument/2006/relationships" xmlns:p="http://schemas.openxmlformats.org/presentationml/2006/main">
+  <p:cSld>
+    <p:spTree>
+      <p:nvGrpSpPr>
+        <p:cNvPr id="1" name=""/>
+        <p:cNvGrpSpPr/>
+        <p:nvPr/>
+      </p:nvGrpSpPr>
+      <p:grpSpPr>
+        <a:xfrm>
+          <a:off x="0" y="0"/>
+          <a:ext cx="0" cy="0"/>
+          <a:chOff x="0" y="0"/>
+          <a:chExt cx="0" cy="0"/>
+        </a:xfrm>
+      </p:grpSpPr>
+      <p:sp>
+        <p:nvSpPr>
+          <p:cNvPr id="7" name="Заголовок 6"/>
+          <p:cNvSpPr>
+            <a:spLocks noGrp="1"/>
+          </p:cNvSpPr>
+          <p:nvPr>
+            <p:ph type="title"/>
+          </p:nvPr>
+        </p:nvSpPr>
+        <p:spPr/>
+        <p:txBody>
+          <a:bodyPr/>
+          <a:lstStyle/>
+          <a:p>
+            <a:r>
+              <a:rPr lang="ru-RU" dirty="0" smtClean="0"/>
+              <a:t>После этого аудио добавляется в текущий </a:t>
+            </a:r>
+            <a:r>
+              <a:rPr lang="ru-RU" dirty="0" err="1" smtClean="0"/>
+              <a:t>плейлист</a:t>
+            </a:r>
+            <a:endParaRPr lang="ru-RU" dirty="0"/>
+          </a:p>
+        </p:txBody>
+      </p:sp>
+    </p:spTree>
+  </p:cSld>
+  <p:clrMapOvr>
+    <a:masterClrMapping/>
+  </p:clrMapOvr>
+</p:sld>
+</file>
+
+<file path=ppt/slides/slide8.xml><?xml version="1.0" encoding="utf-8"?>
+<p:sld xmlns:a="http://schemas.openxmlformats.org/drawingml/2006/main" xmlns:r="http://schemas.openxmlformats.org/officeDocument/2006/relationships" xmlns:p="http://schemas.openxmlformats.org/presentationml/2006/main">
+  <p:cSld>
+    <p:spTree>
+      <p:nvGrpSpPr>
+        <p:cNvPr id="1" name=""/>
+        <p:cNvGrpSpPr/>
+        <p:nvPr/>
+      </p:nvGrpSpPr>
+      <p:grpSpPr>
+        <a:xfrm>
+          <a:off x="0" y="0"/>
+          <a:ext cx="0" cy="0"/>
+          <a:chOff x="0" y="0"/>
+          <a:chExt cx="0" cy="0"/>
+        </a:xfrm>
+      </p:grpSpPr>
+      <p:sp>
+        <p:nvSpPr>
+          <p:cNvPr id="2" name="Заголовок 1"/>
+          <p:cNvSpPr>
+            <a:spLocks noGrp="1"/>
+          </p:cNvSpPr>
+          <p:nvPr>
+            <p:ph type="title"/>
+          </p:nvPr>
+        </p:nvSpPr>
+        <p:spPr/>
+        <p:txBody>
+          <a:bodyPr>
+            <a:normAutofit fontScale="90000"/>
+          </a:bodyPr>
+          <a:lstStyle/>
+          <a:p>
+            <a:r>
+              <a:rPr lang="ru-RU" dirty="0" smtClean="0"/>
+              <a:t>При нажатии на кнопки Создать </a:t>
+            </a:r>
+            <a:r>
+              <a:rPr lang="ru-RU" dirty="0" err="1" smtClean="0"/>
+              <a:t>плейлист</a:t>
+            </a:r>
+            <a:r>
+              <a:rPr lang="ru-RU" dirty="0" smtClean="0"/>
+              <a:t/>
+            </a:r>
+            <a:br>
+              <a:rPr lang="ru-RU" dirty="0" smtClean="0"/>
+            </a:br>
+            <a:r>
+              <a:rPr lang="ru-RU" dirty="0" smtClean="0"/>
+              <a:t>появляется диалог с вводом названия </a:t>
+            </a:r>
+            <a:r>
+              <a:rPr lang="ru-RU" dirty="0" err="1" smtClean="0"/>
+              <a:t>плейлиста</a:t>
+            </a:r>
+            <a:endParaRPr lang="ru-RU" dirty="0"/>
+          </a:p>
+        </p:txBody>
+      </p:sp>
+      <p:pic>
+        <p:nvPicPr>
+          <p:cNvPr id="3074" name="Picture 2"/>
+          <p:cNvPicPr>
+            <a:picLocks noGrp="1" noChangeAspect="1" noChangeArrowheads="1"/>
+          </p:cNvPicPr>
+          <p:nvPr>
+            <p:ph sz="half" idx="1"/>
+          </p:nvPr>
+        </p:nvPicPr>
+        <p:blipFill>
+          <a:blip r:embed="rId2"/>
+          <a:stretch>
+            <a:fillRect/>
+          </a:stretch>
+        </p:blipFill>
+        <p:spPr bwMode="auto">
+          <a:xfrm>
+            <a:off x="2007870" y="3418364"/>
+            <a:ext cx="2842260" cy="1165860"/>
+          </a:xfrm>
+          <a:prstGeom prst="rect">
+            <a:avLst/>
+          </a:prstGeom>
+          <a:noFill/>
+          <a:ln w="9525">
+            <a:noFill/>
+            <a:miter lim="800000"/>
+            <a:headEnd/>
+            <a:tailEnd/>
+          </a:ln>
+          <a:effectLst/>
+        </p:spPr>
+      </p:pic>
+      <p:sp>
+        <p:nvSpPr>
+          <p:cNvPr id="5" name="Содержимое 4"/>
+          <p:cNvSpPr>
+            <a:spLocks noGrp="1"/>
+          </p:cNvSpPr>
+          <p:nvPr>
+            <p:ph sz="half" idx="2"/>
+          </p:nvPr>
+        </p:nvSpPr>
+        <p:spPr/>
+        <p:txBody>
+          <a:bodyPr/>
+          <a:lstStyle/>
+          <a:p>
+            <a:pPr>
+              <a:buNone/>
+            </a:pPr>
+            <a:r>
+              <a:rPr lang="ru-RU" dirty="0" smtClean="0"/>
+              <a:t>При подтверждении действия</a:t>
+            </a:r>
+          </a:p>
+          <a:p>
+            <a:pPr>
+              <a:buNone/>
+            </a:pPr>
+            <a:r>
+              <a:rPr lang="ru-RU" dirty="0" err="1" smtClean="0"/>
+              <a:t>Плейлист</a:t>
+            </a:r>
+            <a:r>
+              <a:rPr lang="ru-RU" dirty="0" smtClean="0"/>
+              <a:t> добавляется в </a:t>
+            </a:r>
+            <a:r>
+              <a:rPr lang="ru-RU" dirty="0" err="1" smtClean="0"/>
+              <a:t>соответвующий</a:t>
+            </a:r>
+            <a:r>
+              <a:rPr lang="ru-RU" dirty="0" smtClean="0"/>
+              <a:t> список</a:t>
+            </a:r>
+            <a:endParaRPr lang="ru-RU" dirty="0"/>
+          </a:p>
+        </p:txBody>
+      </p:sp>
+    </p:spTree>
+  </p:cSld>
+  <p:clrMapOvr>
+    <a:masterClrMapping/>
+  </p:clrMapOvr>
+</p:sld>
+</file>
+
+<file path=ppt/slides/slide9.xml><?xml version="1.0" encoding="utf-8"?>
+<p:sld xmlns:a="http://schemas.openxmlformats.org/drawingml/2006/main" xmlns:r="http://schemas.openxmlformats.org/officeDocument/2006/relationships" xmlns:p="http://schemas.openxmlformats.org/presentationml/2006/main">
+  <p:cSld>
+    <p:spTree>
+      <p:nvGrpSpPr>
+        <p:cNvPr id="1" name=""/>
+        <p:cNvGrpSpPr/>
+        <p:nvPr/>
+      </p:nvGrpSpPr>
+      <p:grpSpPr>
+        <a:xfrm>
+          <a:off x="0" y="0"/>
+          <a:ext cx="0" cy="0"/>
+          <a:chOff x="0" y="0"/>
+          <a:chExt cx="0" cy="0"/>
+        </a:xfrm>
+      </p:grpSpPr>
+      <p:sp>
+        <p:nvSpPr>
+          <p:cNvPr id="2" name="Заголовок 1"/>
+          <p:cNvSpPr>
+            <a:spLocks noGrp="1"/>
+          </p:cNvSpPr>
+          <p:nvPr>
+            <p:ph type="title"/>
+          </p:nvPr>
+        </p:nvSpPr>
+        <p:spPr/>
+        <p:txBody>
+          <a:bodyPr/>
+          <a:lstStyle/>
+          <a:p>
+            <a:r>
+              <a:rPr lang="ru-RU" dirty="0" smtClean="0"/>
+              <a:t>При нажатии кнопки Добавить в </a:t>
+            </a:r>
+            <a:r>
+              <a:rPr lang="ru-RU" dirty="0" err="1" smtClean="0"/>
+              <a:t>плейлист</a:t>
+            </a:r>
+            <a:r>
+              <a:rPr lang="ru-RU" dirty="0" smtClean="0"/>
+              <a:t/>
+            </a:r>
+            <a:br>
+              <a:rPr lang="ru-RU" dirty="0" smtClean="0"/>
+            </a:br>
+            <a:r>
+              <a:rPr lang="ru-RU" dirty="0" smtClean="0"/>
+              <a:t>появляется диалог с выбором </a:t>
+            </a:r>
+            <a:r>
+              <a:rPr lang="ru-RU" dirty="0" err="1" smtClean="0"/>
+              <a:t>плейлиста</a:t>
+            </a:r>
+            <a:endParaRPr lang="ru-RU" dirty="0"/>
+          </a:p>
+        </p:txBody>
+      </p:sp>
+      <p:sp>
+        <p:nvSpPr>
+          <p:cNvPr id="4" name="Содержимое 3"/>
+          <p:cNvSpPr>
+            <a:spLocks noGrp="1"/>
+          </p:cNvSpPr>
+          <p:nvPr>
+            <p:ph sz="half" idx="2"/>
+          </p:nvPr>
+        </p:nvSpPr>
+        <p:spPr/>
+        <p:txBody>
+          <a:bodyPr/>
+          <a:lstStyle/>
+          <a:p>
+            <a:pPr>
+              <a:buNone/>
+            </a:pPr>
+            <a:r>
+              <a:rPr lang="ru-RU" dirty="0" smtClean="0"/>
+              <a:t>При подтверждении действия</a:t>
+            </a:r>
+          </a:p>
+          <a:p>
+            <a:pPr>
+              <a:buNone/>
+            </a:pPr>
+            <a:r>
+              <a:rPr lang="ru-RU" dirty="0" smtClean="0"/>
+              <a:t>Аудио добавляется </a:t>
+            </a:r>
+            <a:r>
+              <a:rPr lang="ru-RU" dirty="0" smtClean="0"/>
+              <a:t>в </a:t>
+            </a:r>
+            <a:r>
+              <a:rPr lang="ru-RU" dirty="0" err="1" smtClean="0"/>
+              <a:t>соответвующий</a:t>
+            </a:r>
+            <a:r>
+              <a:rPr lang="ru-RU" dirty="0" smtClean="0"/>
+              <a:t> </a:t>
+            </a:r>
+            <a:r>
+              <a:rPr lang="ru-RU" dirty="0" err="1" smtClean="0"/>
+              <a:t>плейлист</a:t>
+            </a:r>
+            <a:endParaRPr lang="ru-RU" dirty="0" smtClean="0"/>
+          </a:p>
+          <a:p>
+            <a:pPr>
+              <a:buNone/>
+            </a:pPr>
+            <a:endParaRPr lang="ru-RU" dirty="0"/>
+          </a:p>
+        </p:txBody>
+      </p:sp>
+      <p:pic>
+        <p:nvPicPr>
+          <p:cNvPr id="4098" name="Picture 2"/>
+          <p:cNvPicPr>
+            <a:picLocks noGrp="1" noChangeAspect="1" noChangeArrowheads="1"/>
+          </p:cNvPicPr>
+          <p:nvPr>
+            <p:ph sz="half" idx="1"/>
+          </p:nvPr>
+        </p:nvPicPr>
+        <p:blipFill>
+          <a:blip r:embed="rId2"/>
+          <a:srcRect/>
+          <a:stretch>
+            <a:fillRect/>
+          </a:stretch>
+        </p:blipFill>
+        <p:spPr bwMode="auto">
+          <a:xfrm>
+            <a:off x="1399411" y="2941608"/>
+            <a:ext cx="3973624" cy="1890985"/>
+          </a:xfrm>
+          <a:prstGeom prst="rect">
+            <a:avLst/>
+          </a:prstGeom>
+          <a:noFill/>
+          <a:ln w="9525">
+            <a:noFill/>
+            <a:miter lim="800000"/>
+            <a:headEnd/>
+            <a:tailEnd/>
+          </a:ln>
+          <a:effectLst/>
+        </p:spPr>
+      </p:pic>
+    </p:spTree>
   </p:cSld>
   <p:clrMapOvr>
     <a:masterClrMapping/>
@@ -3985,7 +4550,7 @@
     </a:clrScheme>
     <a:fontScheme name="Стандартная">
       <a:majorFont>
-        <a:latin typeface="Calibri Light" panose="020F0302020204030204"/>
+        <a:latin typeface="Calibri Light"/>
         <a:ea typeface=""/>
         <a:cs typeface=""/>
         <a:font script="Jpan" typeface="游ゴシック Light"/>
@@ -4037,7 +4602,7 @@
         <a:font script="Tfng" typeface="Ebrima"/>
       </a:majorFont>
       <a:minorFont>
-        <a:latin typeface="Calibri" panose="020F0502020204030204"/>
+        <a:latin typeface="Calibri"/>
         <a:ea typeface=""/>
         <a:cs typeface=""/>
         <a:font script="Jpan" typeface="游ゴシック"/>
@@ -4231,7 +4796,7 @@
   <a:extraClrSchemeLst/>
   <a:extLst>
     <a:ext uri="{05A4C25C-085E-4340-85A3-A5531E510DB2}">
-      <thm15:themeFamily xmlns:thm15="http://schemas.microsoft.com/office/thememl/2012/main" name="Office Theme" id="{62F939B6-93AF-4DB8-9C6B-D6C7DFDC589F}" vid="{4A3C46E8-61CC-4603-A589-7422A47A8E4A}"/>
+      <thm15:themeFamily xmlns:thm15="http://schemas.microsoft.com/office/thememl/2012/main" xmlns="" name="Office Theme" id="{62F939B6-93AF-4DB8-9C6B-D6C7DFDC589F}" vid="{4A3C46E8-61CC-4603-A589-7422A47A8E4A}"/>
     </a:ext>
   </a:extLst>
 </a:theme>
